--- a/RACE CAPSTONE PROJECT1/MBA_THIRD TRIMESTER_Capstone Project Abstract.pptx
+++ b/RACE CAPSTONE PROJECT1/MBA_THIRD TRIMESTER_Capstone Project Abstract.pptx
@@ -143,7 +143,7 @@
   </p:defaultTextStyle>
   <p:extLst>
     <p:ext uri="{EFAFB233-063F-42B5-8137-9DF3F51BA10A}">
-      <p15:sldGuideLst xmlns="" xmlns:p15="http://schemas.microsoft.com/office/powerpoint/2012/main"/>
+      <p15:sldGuideLst xmlns:p15="http://schemas.microsoft.com/office/powerpoint/2012/main" xmlns=""/>
     </p:ext>
   </p:extLst>
 </p:presentation>
@@ -401,7 +401,7 @@
     </p:spTree>
     <p:extLst>
       <p:ext uri="{BB962C8B-B14F-4D97-AF65-F5344CB8AC3E}">
-        <p14:creationId xmlns:p14="http://schemas.microsoft.com/office/powerpoint/2010/main" xmlns="" val="1819341143"/>
+        <p14:creationId xmlns="" xmlns:p14="http://schemas.microsoft.com/office/powerpoint/2010/main" val="1819341143"/>
       </p:ext>
     </p:extLst>
   </p:cSld>
@@ -891,7 +891,7 @@
           <a:blip r:embed="rId2" cstate="print">
             <a:extLst>
               <a:ext uri="{28A0092B-C50C-407E-A947-70E740481C1C}">
-                <a14:useLocalDpi xmlns:a14="http://schemas.microsoft.com/office/drawing/2010/main" xmlns="" val="0"/>
+                <a14:useLocalDpi xmlns="" xmlns:a14="http://schemas.microsoft.com/office/drawing/2010/main" val="0"/>
               </a:ext>
             </a:extLst>
           </a:blip>
@@ -920,7 +920,7 @@
           <a:blip r:embed="rId3" cstate="print">
             <a:extLst>
               <a:ext uri="{28A0092B-C50C-407E-A947-70E740481C1C}">
-                <a14:useLocalDpi xmlns:a14="http://schemas.microsoft.com/office/drawing/2010/main" xmlns="" val="0"/>
+                <a14:useLocalDpi xmlns="" xmlns:a14="http://schemas.microsoft.com/office/drawing/2010/main" val="0"/>
               </a:ext>
             </a:extLst>
           </a:blip>
@@ -941,7 +941,7 @@
     </p:spTree>
     <p:extLst>
       <p:ext uri="{BB962C8B-B14F-4D97-AF65-F5344CB8AC3E}">
-        <p14:creationId xmlns:p14="http://schemas.microsoft.com/office/powerpoint/2010/main" xmlns="" val="722703487"/>
+        <p14:creationId xmlns="" xmlns:p14="http://schemas.microsoft.com/office/powerpoint/2010/main" val="722703487"/>
       </p:ext>
     </p:extLst>
   </p:cSld>
@@ -980,7 +980,7 @@
           <a:blip r:embed="rId2">
             <a:extLst>
               <a:ext uri="{28A0092B-C50C-407E-A947-70E740481C1C}">
-                <a14:useLocalDpi xmlns:a14="http://schemas.microsoft.com/office/drawing/2010/main" xmlns="" val="0"/>
+                <a14:useLocalDpi xmlns="" xmlns:a14="http://schemas.microsoft.com/office/drawing/2010/main" val="0"/>
               </a:ext>
             </a:extLst>
           </a:blip>
@@ -1250,7 +1250,7 @@
     </p:spTree>
     <p:extLst>
       <p:ext uri="{BB962C8B-B14F-4D97-AF65-F5344CB8AC3E}">
-        <p14:creationId xmlns:p14="http://schemas.microsoft.com/office/powerpoint/2010/main" xmlns="" val="3371232843"/>
+        <p14:creationId xmlns="" xmlns:p14="http://schemas.microsoft.com/office/powerpoint/2010/main" val="3371232843"/>
       </p:ext>
     </p:extLst>
   </p:cSld>
@@ -1505,7 +1505,7 @@
     </p:spTree>
     <p:extLst>
       <p:ext uri="{BB962C8B-B14F-4D97-AF65-F5344CB8AC3E}">
-        <p14:creationId xmlns:p14="http://schemas.microsoft.com/office/powerpoint/2010/main" xmlns="" val="4232552203"/>
+        <p14:creationId xmlns="" xmlns:p14="http://schemas.microsoft.com/office/powerpoint/2010/main" val="4232552203"/>
       </p:ext>
     </p:extLst>
   </p:cSld>
@@ -1677,7 +1677,7 @@
     </p:spTree>
     <p:extLst>
       <p:ext uri="{BB962C8B-B14F-4D97-AF65-F5344CB8AC3E}">
-        <p14:creationId xmlns:p14="http://schemas.microsoft.com/office/powerpoint/2010/main" xmlns="" val="2205557583"/>
+        <p14:creationId xmlns="" xmlns:p14="http://schemas.microsoft.com/office/powerpoint/2010/main" val="2205557583"/>
       </p:ext>
     </p:extLst>
   </p:cSld>
@@ -1859,7 +1859,7 @@
     </p:spTree>
     <p:extLst>
       <p:ext uri="{BB962C8B-B14F-4D97-AF65-F5344CB8AC3E}">
-        <p14:creationId xmlns:p14="http://schemas.microsoft.com/office/powerpoint/2010/main" xmlns="" val="4062721131"/>
+        <p14:creationId xmlns="" xmlns:p14="http://schemas.microsoft.com/office/powerpoint/2010/main" val="4062721131"/>
       </p:ext>
     </p:extLst>
   </p:cSld>
@@ -2050,7 +2050,7 @@
     </p:spTree>
     <p:extLst>
       <p:ext uri="{BB962C8B-B14F-4D97-AF65-F5344CB8AC3E}">
-        <p14:creationId xmlns:p14="http://schemas.microsoft.com/office/powerpoint/2010/main" xmlns="" val="3417215480"/>
+        <p14:creationId xmlns="" xmlns:p14="http://schemas.microsoft.com/office/powerpoint/2010/main" val="3417215480"/>
       </p:ext>
     </p:extLst>
   </p:cSld>
@@ -2135,7 +2135,7 @@
           <a:blip r:embed="rId2" cstate="print">
             <a:extLst>
               <a:ext uri="{28A0092B-C50C-407E-A947-70E740481C1C}">
-                <a14:useLocalDpi xmlns:a14="http://schemas.microsoft.com/office/drawing/2010/main" xmlns="" val="0"/>
+                <a14:useLocalDpi xmlns="" xmlns:a14="http://schemas.microsoft.com/office/drawing/2010/main" val="0"/>
               </a:ext>
             </a:extLst>
           </a:blip>
@@ -2329,7 +2329,7 @@
     </p:spTree>
     <p:extLst>
       <p:ext uri="{BB962C8B-B14F-4D97-AF65-F5344CB8AC3E}">
-        <p14:creationId xmlns:p14="http://schemas.microsoft.com/office/powerpoint/2010/main" xmlns="" val="1783210247"/>
+        <p14:creationId xmlns="" xmlns:p14="http://schemas.microsoft.com/office/powerpoint/2010/main" val="1783210247"/>
       </p:ext>
     </p:extLst>
   </p:cSld>
@@ -2458,7 +2458,7 @@
     </p:spTree>
     <p:extLst>
       <p:ext uri="{BB962C8B-B14F-4D97-AF65-F5344CB8AC3E}">
-        <p14:creationId xmlns:p14="http://schemas.microsoft.com/office/powerpoint/2010/main" xmlns="" val="20262754"/>
+        <p14:creationId xmlns="" xmlns:p14="http://schemas.microsoft.com/office/powerpoint/2010/main" val="20262754"/>
       </p:ext>
     </p:extLst>
   </p:cSld>
@@ -2596,7 +2596,7 @@
           <a:blip r:embed="rId2">
             <a:extLst>
               <a:ext uri="{28A0092B-C50C-407E-A947-70E740481C1C}">
-                <a14:useLocalDpi xmlns:a14="http://schemas.microsoft.com/office/drawing/2010/main" xmlns="" val="0"/>
+                <a14:useLocalDpi xmlns="" xmlns:a14="http://schemas.microsoft.com/office/drawing/2010/main" val="0"/>
               </a:ext>
             </a:extLst>
           </a:blip>
@@ -2616,7 +2616,7 @@
     </p:spTree>
     <p:extLst>
       <p:ext uri="{BB962C8B-B14F-4D97-AF65-F5344CB8AC3E}">
-        <p14:creationId xmlns:p14="http://schemas.microsoft.com/office/powerpoint/2010/main" xmlns="" val="1454244648"/>
+        <p14:creationId xmlns="" xmlns:p14="http://schemas.microsoft.com/office/powerpoint/2010/main" val="1454244648"/>
       </p:ext>
     </p:extLst>
   </p:cSld>
@@ -2864,7 +2864,7 @@
     </p:spTree>
     <p:extLst>
       <p:ext uri="{BB962C8B-B14F-4D97-AF65-F5344CB8AC3E}">
-        <p14:creationId xmlns:p14="http://schemas.microsoft.com/office/powerpoint/2010/main" xmlns="" val="306047207"/>
+        <p14:creationId xmlns="" xmlns:p14="http://schemas.microsoft.com/office/powerpoint/2010/main" val="306047207"/>
       </p:ext>
     </p:extLst>
   </p:cSld>
@@ -3098,7 +3098,7 @@
     </p:spTree>
     <p:extLst>
       <p:ext uri="{BB962C8B-B14F-4D97-AF65-F5344CB8AC3E}">
-        <p14:creationId xmlns:p14="http://schemas.microsoft.com/office/powerpoint/2010/main" xmlns="" val="3189455762"/>
+        <p14:creationId xmlns="" xmlns:p14="http://schemas.microsoft.com/office/powerpoint/2010/main" val="3189455762"/>
       </p:ext>
     </p:extLst>
   </p:cSld>
@@ -3137,7 +3137,7 @@
           <a:blip r:embed="rId2">
             <a:extLst>
               <a:ext uri="{28A0092B-C50C-407E-A947-70E740481C1C}">
-                <a14:useLocalDpi xmlns:a14="http://schemas.microsoft.com/office/drawing/2010/main" xmlns="" val="0"/>
+                <a14:useLocalDpi xmlns="" xmlns:a14="http://schemas.microsoft.com/office/drawing/2010/main" val="0"/>
               </a:ext>
             </a:extLst>
           </a:blip>
@@ -3497,7 +3497,7 @@
     </p:spTree>
     <p:extLst>
       <p:ext uri="{BB962C8B-B14F-4D97-AF65-F5344CB8AC3E}">
-        <p14:creationId xmlns:p14="http://schemas.microsoft.com/office/powerpoint/2010/main" xmlns="" val="1365294096"/>
+        <p14:creationId xmlns="" xmlns:p14="http://schemas.microsoft.com/office/powerpoint/2010/main" val="1365294096"/>
       </p:ext>
     </p:extLst>
   </p:cSld>
@@ -3617,7 +3617,7 @@
     </p:spTree>
     <p:extLst>
       <p:ext uri="{BB962C8B-B14F-4D97-AF65-F5344CB8AC3E}">
-        <p14:creationId xmlns:p14="http://schemas.microsoft.com/office/powerpoint/2010/main" xmlns="" val="3137221562"/>
+        <p14:creationId xmlns="" xmlns:p14="http://schemas.microsoft.com/office/powerpoint/2010/main" val="3137221562"/>
       </p:ext>
     </p:extLst>
   </p:cSld>
@@ -3714,7 +3714,7 @@
     </p:spTree>
     <p:extLst>
       <p:ext uri="{BB962C8B-B14F-4D97-AF65-F5344CB8AC3E}">
-        <p14:creationId xmlns:p14="http://schemas.microsoft.com/office/powerpoint/2010/main" xmlns="" val="2406463374"/>
+        <p14:creationId xmlns="" xmlns:p14="http://schemas.microsoft.com/office/powerpoint/2010/main" val="2406463374"/>
       </p:ext>
     </p:extLst>
   </p:cSld>
@@ -3965,7 +3965,7 @@
     </p:spTree>
     <p:extLst>
       <p:ext uri="{BB962C8B-B14F-4D97-AF65-F5344CB8AC3E}">
-        <p14:creationId xmlns:p14="http://schemas.microsoft.com/office/powerpoint/2010/main" xmlns="" val="1410419063"/>
+        <p14:creationId xmlns="" xmlns:p14="http://schemas.microsoft.com/office/powerpoint/2010/main" val="1410419063"/>
       </p:ext>
     </p:extLst>
   </p:cSld>
@@ -4657,7 +4657,7 @@
     </p:spTree>
     <p:extLst>
       <p:ext uri="{BB962C8B-B14F-4D97-AF65-F5344CB8AC3E}">
-        <p14:creationId xmlns:p14="http://schemas.microsoft.com/office/powerpoint/2010/main" xmlns="" val="1697186130"/>
+        <p14:creationId xmlns="" xmlns:p14="http://schemas.microsoft.com/office/powerpoint/2010/main" val="1697186130"/>
       </p:ext>
     </p:extLst>
   </p:cSld>
@@ -4905,7 +4905,7 @@
     </p:spTree>
     <p:extLst>
       <p:ext uri="{BB962C8B-B14F-4D97-AF65-F5344CB8AC3E}">
-        <p14:creationId xmlns:p14="http://schemas.microsoft.com/office/powerpoint/2010/main" xmlns="" val="4005610687"/>
+        <p14:creationId xmlns="" xmlns:p14="http://schemas.microsoft.com/office/powerpoint/2010/main" val="4005610687"/>
       </p:ext>
     </p:extLst>
   </p:cSld>
@@ -5127,7 +5127,7 @@
     </p:spTree>
     <p:extLst>
       <p:ext uri="{BB962C8B-B14F-4D97-AF65-F5344CB8AC3E}">
-        <p14:creationId xmlns:p14="http://schemas.microsoft.com/office/powerpoint/2010/main" xmlns="" val="4005610687"/>
+        <p14:creationId xmlns="" xmlns:p14="http://schemas.microsoft.com/office/powerpoint/2010/main" val="4005610687"/>
       </p:ext>
     </p:extLst>
   </p:cSld>
@@ -5349,7 +5349,7 @@
     </p:spTree>
     <p:extLst>
       <p:ext uri="{BB962C8B-B14F-4D97-AF65-F5344CB8AC3E}">
-        <p14:creationId xmlns:p14="http://schemas.microsoft.com/office/powerpoint/2010/main" xmlns="" val="4005610687"/>
+        <p14:creationId xmlns="" xmlns:p14="http://schemas.microsoft.com/office/powerpoint/2010/main" val="4005610687"/>
       </p:ext>
     </p:extLst>
   </p:cSld>
@@ -5584,7 +5584,7 @@
     </p:spTree>
     <p:extLst>
       <p:ext uri="{BB962C8B-B14F-4D97-AF65-F5344CB8AC3E}">
-        <p14:creationId xmlns:p14="http://schemas.microsoft.com/office/powerpoint/2010/main" xmlns="" val="4005610687"/>
+        <p14:creationId xmlns="" xmlns:p14="http://schemas.microsoft.com/office/powerpoint/2010/main" val="4005610687"/>
       </p:ext>
     </p:extLst>
   </p:cSld>
@@ -5836,7 +5836,7 @@
     </p:spTree>
     <p:extLst>
       <p:ext uri="{BB962C8B-B14F-4D97-AF65-F5344CB8AC3E}">
-        <p14:creationId xmlns:p14="http://schemas.microsoft.com/office/powerpoint/2010/main" xmlns="" val="547468638"/>
+        <p14:creationId xmlns="" xmlns:p14="http://schemas.microsoft.com/office/powerpoint/2010/main" val="547468638"/>
       </p:ext>
     </p:extLst>
   </p:cSld>
@@ -6157,7 +6157,7 @@
     </p:spTree>
     <p:extLst>
       <p:ext uri="{BB962C8B-B14F-4D97-AF65-F5344CB8AC3E}">
-        <p14:creationId xmlns:p14="http://schemas.microsoft.com/office/powerpoint/2010/main" xmlns="" val="544254709"/>
+        <p14:creationId xmlns="" xmlns:p14="http://schemas.microsoft.com/office/powerpoint/2010/main" val="544254709"/>
       </p:ext>
     </p:extLst>
   </p:cSld>
@@ -6379,7 +6379,7 @@
     </p:spTree>
     <p:extLst>
       <p:ext uri="{BB962C8B-B14F-4D97-AF65-F5344CB8AC3E}">
-        <p14:creationId xmlns:p14="http://schemas.microsoft.com/office/powerpoint/2010/main" xmlns="" val="544254709"/>
+        <p14:creationId xmlns="" xmlns:p14="http://schemas.microsoft.com/office/powerpoint/2010/main" val="544254709"/>
       </p:ext>
     </p:extLst>
   </p:cSld>
@@ -6597,7 +6597,7 @@
     </p:spTree>
     <p:extLst>
       <p:ext uri="{BB962C8B-B14F-4D97-AF65-F5344CB8AC3E}">
-        <p14:creationId xmlns:p14="http://schemas.microsoft.com/office/powerpoint/2010/main" xmlns="" val="544254709"/>
+        <p14:creationId xmlns="" xmlns:p14="http://schemas.microsoft.com/office/powerpoint/2010/main" val="544254709"/>
       </p:ext>
     </p:extLst>
   </p:cSld>
@@ -6742,7 +6742,7 @@
         <p:spPr>
           <a:xfrm>
             <a:off x="433753" y="1365956"/>
-            <a:ext cx="10785231" cy="4801314"/>
+            <a:ext cx="10785231" cy="5047536"/>
           </a:xfrm>
           <a:prstGeom prst="rect">
             <a:avLst/>
@@ -6766,15 +6766,7 @@
                   <a:srgbClr val="FF0000"/>
                 </a:solidFill>
               </a:rPr>
-              <a:t>The </a:t>
-            </a:r>
-            <a:r>
-              <a:rPr lang="en-US" b="1" dirty="0" smtClean="0">
-                <a:solidFill>
-                  <a:srgbClr val="FF0000"/>
-                </a:solidFill>
-              </a:rPr>
-              <a:t>Road Ahead…………..</a:t>
+              <a:t>The Road Ahead…………..</a:t>
             </a:r>
             <a:endParaRPr lang="en-US" b="1" dirty="0">
               <a:solidFill>
@@ -6794,35 +6786,27 @@
           <a:p>
             <a:r>
               <a:rPr lang="en-US" sz="1600" b="1" dirty="0" smtClean="0"/>
-              <a:t>We </a:t>
+              <a:t>We will Build several </a:t>
+            </a:r>
+            <a:r>
+              <a:rPr lang="en-US" sz="1600" b="1" smtClean="0"/>
+              <a:t>appropriate </a:t>
+            </a:r>
+            <a:r>
+              <a:rPr lang="en-US" sz="1600" b="1" smtClean="0"/>
+              <a:t>Regression </a:t>
             </a:r>
             <a:r>
               <a:rPr lang="en-US" sz="1600" b="1" dirty="0" smtClean="0"/>
-              <a:t>will </a:t>
+              <a:t>Modeling algorithms namely _OLS,_LASSO,CVLASSO</a:t>
             </a:r>
             <a:r>
               <a:rPr lang="en-US" sz="1600" b="1" dirty="0" smtClean="0"/>
-              <a:t>Build several </a:t>
+              <a:t>,</a:t>
             </a:r>
             <a:r>
               <a:rPr lang="en-US" sz="1600" b="1" dirty="0" smtClean="0"/>
-              <a:t>appropriate </a:t>
-            </a:r>
-            <a:r>
-              <a:rPr lang="en-US" sz="1600" b="1" dirty="0" smtClean="0"/>
-              <a:t>Linear Regression Modeling </a:t>
-            </a:r>
-            <a:r>
-              <a:rPr lang="en-US" sz="1600" b="1" dirty="0" smtClean="0"/>
-              <a:t>algorithms </a:t>
-            </a:r>
-            <a:r>
-              <a:rPr lang="en-US" sz="1600" b="1" dirty="0" smtClean="0"/>
-              <a:t>namely _</a:t>
-            </a:r>
-            <a:r>
-              <a:rPr lang="en-US" sz="1600" b="1" dirty="0" smtClean="0"/>
-              <a:t>OLS,_LASSO,CVLASSO, </a:t>
+              <a:t> </a:t>
             </a:r>
             <a:r>
               <a:rPr lang="en-US" sz="1600" b="1" dirty="0" smtClean="0"/>
@@ -6830,28 +6814,28 @@
             </a:r>
             <a:r>
               <a:rPr lang="en-US" sz="1600" b="1" dirty="0" smtClean="0"/>
-              <a:t>to draw further </a:t>
-            </a:r>
+              <a:t>to draw further inferences.</a:t>
+            </a:r>
+          </a:p>
+          <a:p>
+            <a:endParaRPr lang="en-US" sz="1600" dirty="0" smtClean="0"/>
+          </a:p>
+          <a:p>
             <a:r>
               <a:rPr lang="en-US" sz="1600" b="1" dirty="0" smtClean="0"/>
-              <a:t>inferences.</a:t>
-            </a:r>
-          </a:p>
-          <a:p>
-            <a:endParaRPr lang="en-US" sz="1600" dirty="0" smtClean="0"/>
-          </a:p>
-          <a:p>
+              <a:t>we will also Build Models using </a:t>
+            </a:r>
             <a:r>
               <a:rPr lang="en-US" sz="1600" b="1" dirty="0" smtClean="0"/>
-              <a:t>we will also Build Models using Decision Tress, Random forest and </a:t>
+              <a:t>K-Nearest Neighbors </a:t>
             </a:r>
             <a:r>
               <a:rPr lang="en-US" sz="1600" b="1" dirty="0" smtClean="0"/>
-              <a:t>GridSearchCV Algorithms.</a:t>
+              <a:t>,Decision </a:t>
             </a:r>
             <a:r>
               <a:rPr lang="en-US" sz="1600" b="1" dirty="0" smtClean="0"/>
-              <a:t> </a:t>
+              <a:t>Tress, Random forest and GridSearchCV Algorithms. </a:t>
             </a:r>
           </a:p>
           <a:p>
@@ -6860,15 +6844,7 @@
           <a:p>
             <a:r>
               <a:rPr lang="en-US" sz="1600" b="1" dirty="0" smtClean="0"/>
-              <a:t>We will Build Deep learning Models namely </a:t>
-            </a:r>
-            <a:r>
-              <a:rPr lang="en-US" sz="1600" b="1" dirty="0" smtClean="0"/>
-              <a:t>LSTM </a:t>
-            </a:r>
-            <a:r>
-              <a:rPr lang="en-US" sz="1600" b="1" dirty="0" smtClean="0"/>
-              <a:t> and</a:t>
+              <a:t>We will Build Deep learning Models namely LSTM  and</a:t>
             </a:r>
             <a:r>
               <a:rPr lang="en-US" sz="1600" dirty="0" smtClean="0"/>
@@ -6885,93 +6861,24 @@
           <a:p>
             <a:r>
               <a:rPr lang="en-US" sz="1600" dirty="0" smtClean="0"/>
-              <a:t>Automated Machine Learning (AutoML) is a </a:t>
-            </a:r>
+              <a:t>Automated Machine Learning (AutoML) is a computerized way of determining the best combination of data preparation, model, and hyper parameters for a predictive modeling task. AutoML can help machine learning practitioners perform predictive modeling jobs quickly and efficiently with minimal input. AutoKeras is a Keras-based open-source AutoML framework. </a:t>
+            </a:r>
+          </a:p>
+          <a:p>
+            <a:endParaRPr lang="en-US" sz="1600" dirty="0" smtClean="0"/>
+          </a:p>
+          <a:p>
             <a:r>
               <a:rPr lang="en-US" sz="1600" dirty="0" smtClean="0"/>
-              <a:t>computerized </a:t>
-            </a:r>
-            <a:r>
-              <a:rPr lang="en-US" sz="1600" dirty="0" smtClean="0"/>
-              <a:t>way of determining the best combination of data preparation, model, and </a:t>
-            </a:r>
-            <a:r>
-              <a:rPr lang="en-US" sz="1600" dirty="0" smtClean="0"/>
-              <a:t>hyper parameters </a:t>
-            </a:r>
-            <a:r>
-              <a:rPr lang="en-US" sz="1600" dirty="0" smtClean="0"/>
-              <a:t>for a predictive </a:t>
-            </a:r>
-            <a:r>
-              <a:rPr lang="en-US" sz="1600" dirty="0" smtClean="0"/>
-              <a:t>modeling </a:t>
-            </a:r>
-            <a:r>
-              <a:rPr lang="en-US" sz="1600" dirty="0" smtClean="0"/>
-              <a:t>task</a:t>
-            </a:r>
-            <a:r>
-              <a:rPr lang="en-US" sz="1600" dirty="0" smtClean="0"/>
-              <a:t>. AutoML </a:t>
-            </a:r>
-            <a:r>
-              <a:rPr lang="en-US" sz="1600" dirty="0" smtClean="0"/>
-              <a:t>can help machine learning practitioners perform predictive </a:t>
-            </a:r>
-            <a:r>
-              <a:rPr lang="en-US" sz="1600" dirty="0" smtClean="0"/>
-              <a:t>modeling </a:t>
-            </a:r>
-            <a:r>
-              <a:rPr lang="en-US" sz="1600" dirty="0" smtClean="0"/>
-              <a:t>jobs quickly and efficiently with minimal input</a:t>
-            </a:r>
-            <a:r>
-              <a:rPr lang="en-US" sz="1600" dirty="0" smtClean="0"/>
-              <a:t>. AutoKeras </a:t>
-            </a:r>
-            <a:r>
-              <a:rPr lang="en-US" sz="1600" dirty="0" smtClean="0"/>
-              <a:t>is a Keras-based open-source AutoML framework. </a:t>
-            </a:r>
-          </a:p>
-          <a:p>
-            <a:endParaRPr lang="en-US" sz="1600" dirty="0" smtClean="0"/>
-          </a:p>
-          <a:p>
-            <a:r>
-              <a:rPr lang="en-US" sz="1600" dirty="0" smtClean="0"/>
-              <a:t>Long short-term memory is an artificial neural network used in the fields of artificial intelligence and deep learning. Unlike standard </a:t>
-            </a:r>
-            <a:r>
-              <a:rPr lang="en-US" sz="1600" dirty="0" smtClean="0"/>
-              <a:t>feed forward </a:t>
-            </a:r>
-            <a:r>
-              <a:rPr lang="en-US" sz="1600" dirty="0" smtClean="0"/>
-              <a:t>neural networks, LSTM has feedback connections</a:t>
-            </a:r>
-            <a:r>
-              <a:rPr lang="en-US" sz="1600" dirty="0" smtClean="0"/>
-              <a:t>. It </a:t>
-            </a:r>
-            <a:r>
-              <a:rPr lang="en-US" sz="1600" dirty="0" smtClean="0"/>
-              <a:t>is special kind of recurrent neural network that is capable of learning long term dependencies in data</a:t>
-            </a:r>
-            <a:r>
-              <a:rPr lang="en-US" sz="1600" dirty="0" smtClean="0"/>
-              <a:t>.</a:t>
-            </a:r>
-            <a:endParaRPr lang="en-US" sz="1600" dirty="0" smtClean="0"/>
+              <a:t>Long short-term memory is an artificial neural network used in the fields of artificial intelligence and deep learning. Unlike standard feed forward neural networks, LSTM has feedback connections. It is special kind of recurrent neural network that is capable of learning long term dependencies in data.</a:t>
+            </a:r>
           </a:p>
         </p:txBody>
       </p:sp>
     </p:spTree>
     <p:extLst>
       <p:ext uri="{BB962C8B-B14F-4D97-AF65-F5344CB8AC3E}">
-        <p14:creationId xmlns:p14="http://schemas.microsoft.com/office/powerpoint/2010/main" xmlns="" val="544254709"/>
+        <p14:creationId xmlns="" xmlns:p14="http://schemas.microsoft.com/office/powerpoint/2010/main" val="544254709"/>
       </p:ext>
     </p:extLst>
   </p:cSld>
@@ -7143,15 +7050,7 @@
                   <a:srgbClr val="FF0000"/>
                 </a:solidFill>
               </a:rPr>
-              <a:t>The Road Ahead</a:t>
-            </a:r>
-            <a:r>
-              <a:rPr lang="en-US" b="1" dirty="0" smtClean="0">
-                <a:solidFill>
-                  <a:srgbClr val="FF0000"/>
-                </a:solidFill>
-              </a:rPr>
-              <a:t>…………..</a:t>
+              <a:t>The Road Ahead…………..</a:t>
             </a:r>
           </a:p>
           <a:p>
@@ -7164,53 +7063,25 @@
           <a:p>
             <a:r>
               <a:rPr lang="en-US" sz="2000" b="1" dirty="0" smtClean="0"/>
-              <a:t>We shall derive the metrics for each </a:t>
-            </a:r>
+              <a:t>We shall derive the metrics for each modeling algorithm, including the mean absolute error (MAE), mean square error (MSE), root mean square error (MSE), median absolute error (MAE), and R-square score.</a:t>
+            </a:r>
+          </a:p>
+          <a:p>
+            <a:endParaRPr lang="en-US" sz="2000" b="1" dirty="0" smtClean="0"/>
+          </a:p>
+          <a:p>
             <a:r>
               <a:rPr lang="en-US" sz="2000" b="1" dirty="0" smtClean="0"/>
-              <a:t>modeling </a:t>
-            </a:r>
+              <a:t>We will create a leader board to choose the modeling algorithm that provides the best metrics values, allowing us to estimate the future close value of any stock in the share market with the greatest degree of accuracy.</a:t>
+            </a:r>
+          </a:p>
+          <a:p>
+            <a:endParaRPr lang="en-US" sz="2000" b="1" dirty="0" smtClean="0"/>
+          </a:p>
+          <a:p>
             <a:r>
               <a:rPr lang="en-US" sz="2000" b="1" dirty="0" smtClean="0"/>
-              <a:t>algorithm, including the mean absolute error (MAE), mean square error (MSE), root mean square error (MSE), median absolute error (MAE), and R-square score.</a:t>
-            </a:r>
-          </a:p>
-          <a:p>
-            <a:endParaRPr lang="en-US" sz="2000" b="1" dirty="0" smtClean="0"/>
-          </a:p>
-          <a:p>
-            <a:r>
-              <a:rPr lang="en-US" sz="2000" b="1" dirty="0" smtClean="0"/>
-              <a:t>We will create a leader board to choose the </a:t>
-            </a:r>
-            <a:r>
-              <a:rPr lang="en-US" sz="2000" b="1" dirty="0" smtClean="0"/>
-              <a:t>modeling </a:t>
-            </a:r>
-            <a:r>
-              <a:rPr lang="en-US" sz="2000" b="1" dirty="0" smtClean="0"/>
-              <a:t>algorithm that provides the best metrics values, allowing us to estimate the future close value of any stock in the share market with the greatest degree of accuracy.</a:t>
-            </a:r>
-          </a:p>
-          <a:p>
-            <a:endParaRPr lang="en-US" sz="2000" b="1" dirty="0" smtClean="0"/>
-          </a:p>
-          <a:p>
-            <a:r>
-              <a:rPr lang="en-US" sz="2000" b="1" dirty="0" smtClean="0"/>
-              <a:t>In </a:t>
-            </a:r>
-            <a:r>
-              <a:rPr lang="en-US" sz="2000" b="1" dirty="0" smtClean="0"/>
-              <a:t>order to provide the best insights for profits for share market investments, we would have covered statistical analysis (hypothesis testing method on simple moving average and exponential moving average of the close price of a stock), time series analysis </a:t>
-            </a:r>
-            <a:r>
-              <a:rPr lang="en-US" sz="2000" b="1" dirty="0" smtClean="0"/>
-              <a:t>modeling </a:t>
-            </a:r>
-            <a:r>
-              <a:rPr lang="en-US" sz="2000" b="1" dirty="0" smtClean="0"/>
-              <a:t>using ARIMA, and regression algorithm analysis.</a:t>
+              <a:t>In order to provide the best insights for profits for share market investments, we would have covered statistical analysis (hypothesis testing method on simple moving average and exponential moving average of the close price of a stock), time series analysis modeling using ARIMA, and regression algorithm analysis.</a:t>
             </a:r>
             <a:endParaRPr lang="en-US" sz="2000" b="1" dirty="0"/>
           </a:p>
@@ -7219,7 +7090,7 @@
     </p:spTree>
     <p:extLst>
       <p:ext uri="{BB962C8B-B14F-4D97-AF65-F5344CB8AC3E}">
-        <p14:creationId xmlns:p14="http://schemas.microsoft.com/office/powerpoint/2010/main" xmlns="" val="544254709"/>
+        <p14:creationId xmlns="" xmlns:p14="http://schemas.microsoft.com/office/powerpoint/2010/main" val="544254709"/>
       </p:ext>
     </p:extLst>
   </p:cSld>
@@ -7417,7 +7288,7 @@
     </p:spTree>
     <p:extLst>
       <p:ext uri="{BB962C8B-B14F-4D97-AF65-F5344CB8AC3E}">
-        <p14:creationId xmlns:p14="http://schemas.microsoft.com/office/powerpoint/2010/main" xmlns="" val="2794430881"/>
+        <p14:creationId xmlns="" xmlns:p14="http://schemas.microsoft.com/office/powerpoint/2010/main" val="2794430881"/>
       </p:ext>
     </p:extLst>
   </p:cSld>
@@ -7887,7 +7758,7 @@
     </p:spTree>
     <p:extLst>
       <p:ext uri="{BB962C8B-B14F-4D97-AF65-F5344CB8AC3E}">
-        <p14:creationId xmlns:p14="http://schemas.microsoft.com/office/powerpoint/2010/main" xmlns="" val="636847118"/>
+        <p14:creationId xmlns="" xmlns:p14="http://schemas.microsoft.com/office/powerpoint/2010/main" val="636847118"/>
       </p:ext>
     </p:extLst>
   </p:cSld>
@@ -7936,7 +7807,7 @@
           <a:blip r:embed="rId2">
             <a:extLst>
               <a:ext uri="{28A0092B-C50C-407E-A947-70E740481C1C}">
-                <a14:useLocalDpi xmlns:a14="http://schemas.microsoft.com/office/drawing/2010/main" xmlns="" val="0"/>
+                <a14:useLocalDpi xmlns="" xmlns:a14="http://schemas.microsoft.com/office/drawing/2010/main" val="0"/>
               </a:ext>
             </a:extLst>
           </a:blip>
@@ -7964,7 +7835,7 @@
     </p:spTree>
     <p:extLst>
       <p:ext uri="{BB962C8B-B14F-4D97-AF65-F5344CB8AC3E}">
-        <p14:creationId xmlns:p14="http://schemas.microsoft.com/office/powerpoint/2010/main" xmlns="" val="4110416358"/>
+        <p14:creationId xmlns="" xmlns:p14="http://schemas.microsoft.com/office/powerpoint/2010/main" val="4110416358"/>
       </p:ext>
     </p:extLst>
   </p:cSld>
@@ -8195,7 +8066,7 @@
     </p:spTree>
     <p:extLst>
       <p:ext uri="{BB962C8B-B14F-4D97-AF65-F5344CB8AC3E}">
-        <p14:creationId xmlns:p14="http://schemas.microsoft.com/office/powerpoint/2010/main" xmlns="" val="1148586614"/>
+        <p14:creationId xmlns="" xmlns:p14="http://schemas.microsoft.com/office/powerpoint/2010/main" val="1148586614"/>
       </p:ext>
     </p:extLst>
   </p:cSld>
@@ -8560,7 +8431,7 @@
     </p:spTree>
     <p:extLst>
       <p:ext uri="{BB962C8B-B14F-4D97-AF65-F5344CB8AC3E}">
-        <p14:creationId xmlns:p14="http://schemas.microsoft.com/office/powerpoint/2010/main" xmlns="" val="134371526"/>
+        <p14:creationId xmlns="" xmlns:p14="http://schemas.microsoft.com/office/powerpoint/2010/main" val="134371526"/>
       </p:ext>
     </p:extLst>
   </p:cSld>
@@ -8884,7 +8755,7 @@
     </p:spTree>
     <p:extLst>
       <p:ext uri="{BB962C8B-B14F-4D97-AF65-F5344CB8AC3E}">
-        <p14:creationId xmlns:p14="http://schemas.microsoft.com/office/powerpoint/2010/main" xmlns="" val="2214491325"/>
+        <p14:creationId xmlns="" xmlns:p14="http://schemas.microsoft.com/office/powerpoint/2010/main" val="2214491325"/>
       </p:ext>
     </p:extLst>
   </p:cSld>
@@ -9230,7 +9101,7 @@
     </p:spTree>
     <p:extLst>
       <p:ext uri="{BB962C8B-B14F-4D97-AF65-F5344CB8AC3E}">
-        <p14:creationId xmlns:p14="http://schemas.microsoft.com/office/powerpoint/2010/main" xmlns="" val="1829043016"/>
+        <p14:creationId xmlns="" xmlns:p14="http://schemas.microsoft.com/office/powerpoint/2010/main" val="1829043016"/>
       </p:ext>
     </p:extLst>
   </p:cSld>
@@ -9689,7 +9560,7 @@
     </p:spTree>
     <p:extLst>
       <p:ext uri="{BB962C8B-B14F-4D97-AF65-F5344CB8AC3E}">
-        <p14:creationId xmlns:p14="http://schemas.microsoft.com/office/powerpoint/2010/main" xmlns="" val="2111331181"/>
+        <p14:creationId xmlns="" xmlns:p14="http://schemas.microsoft.com/office/powerpoint/2010/main" val="2111331181"/>
       </p:ext>
     </p:extLst>
   </p:cSld>
@@ -10108,7 +9979,7 @@
     </p:spTree>
     <p:extLst>
       <p:ext uri="{BB962C8B-B14F-4D97-AF65-F5344CB8AC3E}">
-        <p14:creationId xmlns:p14="http://schemas.microsoft.com/office/powerpoint/2010/main" xmlns="" val="2024698553"/>
+        <p14:creationId xmlns="" xmlns:p14="http://schemas.microsoft.com/office/powerpoint/2010/main" val="2024698553"/>
       </p:ext>
     </p:extLst>
   </p:cSld>
@@ -10537,7 +10408,7 @@
     </p:spTree>
     <p:extLst>
       <p:ext uri="{BB962C8B-B14F-4D97-AF65-F5344CB8AC3E}">
-        <p14:creationId xmlns:p14="http://schemas.microsoft.com/office/powerpoint/2010/main" xmlns="" val="2024698553"/>
+        <p14:creationId xmlns="" xmlns:p14="http://schemas.microsoft.com/office/powerpoint/2010/main" val="2024698553"/>
       </p:ext>
     </p:extLst>
   </p:cSld>
@@ -10877,7 +10748,7 @@
   <a:extraClrSchemeLst/>
   <a:extLst>
     <a:ext uri="{05A4C25C-085E-4340-85A3-A5531E510DB2}">
-      <thm15:themeFamily xmlns="" xmlns:thm15="http://schemas.microsoft.com/office/thememl/2012/main" name="Office Theme" id="{62F939B6-93AF-4DB8-9C6B-D6C7DFDC589F}" vid="{4A3C46E8-61CC-4603-A589-7422A47A8E4A}"/>
+      <thm15:themeFamily xmlns:thm15="http://schemas.microsoft.com/office/thememl/2012/main" xmlns="" name="Office Theme" id="{62F939B6-93AF-4DB8-9C6B-D6C7DFDC589F}" vid="{4A3C46E8-61CC-4603-A589-7422A47A8E4A}"/>
     </a:ext>
   </a:extLst>
 </a:theme>
@@ -11138,7 +11009,7 @@
   <a:extraClrSchemeLst/>
   <a:extLst>
     <a:ext uri="{05A4C25C-085E-4340-85A3-A5531E510DB2}">
-      <thm15:themeFamily xmlns="" xmlns:thm15="http://schemas.microsoft.com/office/thememl/2012/main" name="Office Theme" id="{62F939B6-93AF-4DB8-9C6B-D6C7DFDC589F}" vid="{4A3C46E8-61CC-4603-A589-7422A47A8E4A}"/>
+      <thm15:themeFamily xmlns:thm15="http://schemas.microsoft.com/office/thememl/2012/main" xmlns="" name="Office Theme" id="{62F939B6-93AF-4DB8-9C6B-D6C7DFDC589F}" vid="{4A3C46E8-61CC-4603-A589-7422A47A8E4A}"/>
     </a:ext>
   </a:extLst>
 </a:theme>

--- a/RACE CAPSTONE PROJECT1/MBA_THIRD TRIMESTER_Capstone Project Abstract.pptx
+++ b/RACE CAPSTONE PROJECT1/MBA_THIRD TRIMESTER_Capstone Project Abstract.pptx
@@ -6786,56 +6786,28 @@
           <a:p>
             <a:r>
               <a:rPr lang="en-US" sz="1600" b="1" dirty="0" smtClean="0"/>
-              <a:t>We will Build several </a:t>
-            </a:r>
-            <a:r>
-              <a:rPr lang="en-US" sz="1600" b="1" smtClean="0"/>
-              <a:t>appropriate </a:t>
-            </a:r>
-            <a:r>
-              <a:rPr lang="en-US" sz="1600" b="1" smtClean="0"/>
-              <a:t>Regression </a:t>
-            </a:r>
+              <a:t>We will Build several appropriate Regression Modeling algorithms namely _OLS,_LASSO,CVLASSO, accordingly to draw further inferences.</a:t>
+            </a:r>
+          </a:p>
+          <a:p>
+            <a:endParaRPr lang="en-US" sz="1600" dirty="0" smtClean="0"/>
+          </a:p>
+          <a:p>
             <a:r>
               <a:rPr lang="en-US" sz="1600" b="1" dirty="0" smtClean="0"/>
-              <a:t>Modeling algorithms namely _OLS,_LASSO,CVLASSO</a:t>
-            </a:r>
-            <a:r>
-              <a:rPr lang="en-US" sz="1600" b="1" dirty="0" smtClean="0"/>
-              <a:t>,</a:t>
+              <a:t>we will also Build Models using K-Nearest Neighbors ,Decision Tress, Random forest and GridSearchCV </a:t>
             </a:r>
             <a:r>
               <a:rPr lang="en-US" sz="1600" b="1" dirty="0" smtClean="0"/>
               <a:t> </a:t>
             </a:r>
             <a:r>
+              <a:rPr lang="en-US" sz="1600" b="1" smtClean="0"/>
+              <a:t>and XGBoost Algorithms</a:t>
+            </a:r>
+            <a:r>
               <a:rPr lang="en-US" sz="1600" b="1" dirty="0" smtClean="0"/>
-              <a:t>accordingly </a:t>
-            </a:r>
-            <a:r>
-              <a:rPr lang="en-US" sz="1600" b="1" dirty="0" smtClean="0"/>
-              <a:t>to draw further inferences.</a:t>
-            </a:r>
-          </a:p>
-          <a:p>
-            <a:endParaRPr lang="en-US" sz="1600" dirty="0" smtClean="0"/>
-          </a:p>
-          <a:p>
-            <a:r>
-              <a:rPr lang="en-US" sz="1600" b="1" dirty="0" smtClean="0"/>
-              <a:t>we will also Build Models using </a:t>
-            </a:r>
-            <a:r>
-              <a:rPr lang="en-US" sz="1600" b="1" dirty="0" smtClean="0"/>
-              <a:t>K-Nearest Neighbors </a:t>
-            </a:r>
-            <a:r>
-              <a:rPr lang="en-US" sz="1600" b="1" dirty="0" smtClean="0"/>
-              <a:t>,Decision </a:t>
-            </a:r>
-            <a:r>
-              <a:rPr lang="en-US" sz="1600" b="1" dirty="0" smtClean="0"/>
-              <a:t>Tress, Random forest and GridSearchCV Algorithms. </a:t>
+              <a:t>. </a:t>
             </a:r>
           </a:p>
           <a:p>
@@ -7063,7 +7035,15 @@
           <a:p>
             <a:r>
               <a:rPr lang="en-US" sz="2000" b="1" dirty="0" smtClean="0"/>
-              <a:t>We shall derive the metrics for each modeling algorithm, including the mean absolute error (MAE), mean square error (MSE), root mean square error (MSE), median absolute error (MAE), and R-square score.</a:t>
+              <a:t>We shall derive the metrics for each modeling algorithm, including the mean absolute error (MAE), mean square error (MSE), root mean square </a:t>
+            </a:r>
+            <a:r>
+              <a:rPr lang="en-US" sz="2000" b="1" smtClean="0"/>
+              <a:t>error (RMSE</a:t>
+            </a:r>
+            <a:r>
+              <a:rPr lang="en-US" sz="2000" b="1" dirty="0" smtClean="0"/>
+              <a:t>), median absolute error (MAE), and R-square score.</a:t>
             </a:r>
           </a:p>
           <a:p>
